--- a/tutorials/pipelines/tut_a_st_bud/vector files/fig01.pptx
+++ b/tutorials/pipelines/tut_a_st_bud/vector files/fig01.pptx
@@ -2,12 +2,12 @@
 <file path=ppt/presentation.xml><?xml version="1.0" encoding="utf-8"?>
 <p:presentation xmlns:a="http://schemas.openxmlformats.org/drawingml/2006/main" xmlns:r="http://schemas.openxmlformats.org/officeDocument/2006/relationships" xmlns:p="http://schemas.openxmlformats.org/presentationml/2006/main" saveSubsetFonts="1">
   <p:sldMasterIdLst>
-    <p:sldMasterId id="2147483684" r:id="rId1"/>
+    <p:sldMasterId id="2147483708" r:id="rId1"/>
   </p:sldMasterIdLst>
   <p:sldIdLst>
     <p:sldId id="256" r:id="rId2"/>
   </p:sldIdLst>
-  <p:sldSz cx="2133600" cy="1728788"/>
+  <p:sldSz cx="18000663" cy="10799763"/>
   <p:notesSz cx="6858000" cy="9144000"/>
   <p:defaultTextStyle>
     <a:defPPr>
@@ -114,7 +114,7 @@
 
 <file path=ppt/slideLayouts/slideLayout1.xml><?xml version="1.0" encoding="utf-8"?>
 <p:sldLayout xmlns:a="http://schemas.openxmlformats.org/drawingml/2006/main" xmlns:r="http://schemas.openxmlformats.org/officeDocument/2006/relationships" xmlns:p="http://schemas.openxmlformats.org/presentationml/2006/main" type="title" preserve="1">
-  <p:cSld name="Title Slide">
+  <p:cSld name="标题幻灯片">
     <p:spTree>
       <p:nvGrpSpPr>
         <p:cNvPr id="1" name=""/>
@@ -141,21 +141,21 @@
         </p:nvSpPr>
         <p:spPr>
           <a:xfrm>
-            <a:off x="160020" y="282929"/>
-            <a:ext cx="1813560" cy="601874"/>
+            <a:off x="2250083" y="1767462"/>
+            <a:ext cx="13500497" cy="3759917"/>
           </a:xfrm>
         </p:spPr>
         <p:txBody>
           <a:bodyPr anchor="b"/>
           <a:lstStyle>
             <a:lvl1pPr algn="ctr">
-              <a:defRPr sz="1400"/>
+              <a:defRPr sz="8858"/>
             </a:lvl1pPr>
           </a:lstStyle>
           <a:p>
             <a:r>
-              <a:rPr lang="en-US"/>
-              <a:t>Click to edit Master title style</a:t>
+              <a:rPr lang="zh-CN" altLang="en-US"/>
+              <a:t>单击此处编辑母版标题样式</a:t>
             </a:r>
             <a:endParaRPr lang="en-US" dirty="0"/>
           </a:p>
@@ -173,8 +173,8 @@
         </p:nvSpPr>
         <p:spPr>
           <a:xfrm>
-            <a:off x="266700" y="908014"/>
-            <a:ext cx="1600200" cy="417390"/>
+            <a:off x="2250083" y="5672376"/>
+            <a:ext cx="13500497" cy="2607442"/>
           </a:xfrm>
         </p:spPr>
         <p:txBody>
@@ -182,45 +182,45 @@
           <a:lstStyle>
             <a:lvl1pPr marL="0" indent="0" algn="ctr">
               <a:buNone/>
-              <a:defRPr sz="560"/>
+              <a:defRPr sz="3543"/>
             </a:lvl1pPr>
-            <a:lvl2pPr marL="106665" indent="0" algn="ctr">
-              <a:buNone/>
-              <a:defRPr sz="467"/>
+            <a:lvl2pPr marL="675010" indent="0" algn="ctr">
+              <a:buNone/>
+              <a:defRPr sz="2953"/>
             </a:lvl2pPr>
-            <a:lvl3pPr marL="213330" indent="0" algn="ctr">
-              <a:buNone/>
-              <a:defRPr sz="420"/>
+            <a:lvl3pPr marL="1350020" indent="0" algn="ctr">
+              <a:buNone/>
+              <a:defRPr sz="2658"/>
             </a:lvl3pPr>
-            <a:lvl4pPr marL="319994" indent="0" algn="ctr">
-              <a:buNone/>
-              <a:defRPr sz="373"/>
+            <a:lvl4pPr marL="2025030" indent="0" algn="ctr">
+              <a:buNone/>
+              <a:defRPr sz="2362"/>
             </a:lvl4pPr>
-            <a:lvl5pPr marL="426659" indent="0" algn="ctr">
-              <a:buNone/>
-              <a:defRPr sz="373"/>
+            <a:lvl5pPr marL="2700040" indent="0" algn="ctr">
+              <a:buNone/>
+              <a:defRPr sz="2362"/>
             </a:lvl5pPr>
-            <a:lvl6pPr marL="533324" indent="0" algn="ctr">
-              <a:buNone/>
-              <a:defRPr sz="373"/>
+            <a:lvl6pPr marL="3375050" indent="0" algn="ctr">
+              <a:buNone/>
+              <a:defRPr sz="2362"/>
             </a:lvl6pPr>
-            <a:lvl7pPr marL="639989" indent="0" algn="ctr">
-              <a:buNone/>
-              <a:defRPr sz="373"/>
+            <a:lvl7pPr marL="4050060" indent="0" algn="ctr">
+              <a:buNone/>
+              <a:defRPr sz="2362"/>
             </a:lvl7pPr>
-            <a:lvl8pPr marL="746653" indent="0" algn="ctr">
-              <a:buNone/>
-              <a:defRPr sz="373"/>
+            <a:lvl8pPr marL="4725071" indent="0" algn="ctr">
+              <a:buNone/>
+              <a:defRPr sz="2362"/>
             </a:lvl8pPr>
-            <a:lvl9pPr marL="853318" indent="0" algn="ctr">
-              <a:buNone/>
-              <a:defRPr sz="373"/>
+            <a:lvl9pPr marL="5400081" indent="0" algn="ctr">
+              <a:buNone/>
+              <a:defRPr sz="2362"/>
             </a:lvl9pPr>
           </a:lstStyle>
           <a:p>
             <a:r>
-              <a:rPr lang="en-US"/>
-              <a:t>Click to edit Master subtitle style</a:t>
+              <a:rPr lang="zh-CN" altLang="en-US"/>
+              <a:t>单击此处编辑母版副标题样式</a:t>
             </a:r>
             <a:endParaRPr lang="en-US" dirty="0"/>
           </a:p>
@@ -243,7 +243,7 @@
           <a:p>
             <a:fld id="{CA1BB51F-BFC6-4DD3-8C2A-5B21FD6F69C3}" type="datetimeFigureOut">
               <a:rPr lang="en-SE" smtClean="0"/>
-              <a:t>2023-09-30</a:t>
+              <a:t>10/04/2023</a:t>
             </a:fld>
             <a:endParaRPr lang="en-SE"/>
           </a:p>
@@ -294,7 +294,7 @@
     </p:spTree>
     <p:extLst>
       <p:ext uri="{BB962C8B-B14F-4D97-AF65-F5344CB8AC3E}">
-        <p14:creationId xmlns:p14="http://schemas.microsoft.com/office/powerpoint/2010/main" val="2524963387"/>
+        <p14:creationId xmlns:p14="http://schemas.microsoft.com/office/powerpoint/2010/main" val="4078208548"/>
       </p:ext>
     </p:extLst>
   </p:cSld>
@@ -306,7 +306,7 @@
 
 <file path=ppt/slideLayouts/slideLayout10.xml><?xml version="1.0" encoding="utf-8"?>
 <p:sldLayout xmlns:a="http://schemas.openxmlformats.org/drawingml/2006/main" xmlns:r="http://schemas.openxmlformats.org/officeDocument/2006/relationships" xmlns:p="http://schemas.openxmlformats.org/presentationml/2006/main" type="vertTx" preserve="1">
-  <p:cSld name="Title and Vertical Text">
+  <p:cSld name="标题和竖排文字">
     <p:spTree>
       <p:nvGrpSpPr>
         <p:cNvPr id="1" name=""/>
@@ -337,8 +337,8 @@
           <a:lstStyle/>
           <a:p>
             <a:r>
-              <a:rPr lang="en-US"/>
-              <a:t>Click to edit Master title style</a:t>
+              <a:rPr lang="zh-CN" altLang="en-US"/>
+              <a:t>单击此处编辑母版标题样式</a:t>
             </a:r>
             <a:endParaRPr lang="en-US" dirty="0"/>
           </a:p>
@@ -361,36 +361,36 @@
           <a:p>
             <a:pPr lvl="0"/>
             <a:r>
-              <a:rPr lang="en-US"/>
-              <a:t>Click to edit Master text styles</a:t>
+              <a:rPr lang="zh-CN" altLang="en-US"/>
+              <a:t>单击此处编辑母版文本样式</a:t>
             </a:r>
           </a:p>
           <a:p>
             <a:pPr lvl="1"/>
             <a:r>
-              <a:rPr lang="en-US"/>
-              <a:t>Second level</a:t>
+              <a:rPr lang="zh-CN" altLang="en-US"/>
+              <a:t>二级</a:t>
             </a:r>
           </a:p>
           <a:p>
             <a:pPr lvl="2"/>
             <a:r>
-              <a:rPr lang="en-US"/>
-              <a:t>Third level</a:t>
+              <a:rPr lang="zh-CN" altLang="en-US"/>
+              <a:t>三级</a:t>
             </a:r>
           </a:p>
           <a:p>
             <a:pPr lvl="3"/>
             <a:r>
-              <a:rPr lang="en-US"/>
-              <a:t>Fourth level</a:t>
+              <a:rPr lang="zh-CN" altLang="en-US"/>
+              <a:t>四级</a:t>
             </a:r>
           </a:p>
           <a:p>
             <a:pPr lvl="4"/>
             <a:r>
-              <a:rPr lang="en-US"/>
-              <a:t>Fifth level</a:t>
+              <a:rPr lang="zh-CN" altLang="en-US"/>
+              <a:t>五级</a:t>
             </a:r>
             <a:endParaRPr lang="en-US" dirty="0"/>
           </a:p>
@@ -413,7 +413,7 @@
           <a:p>
             <a:fld id="{CA1BB51F-BFC6-4DD3-8C2A-5B21FD6F69C3}" type="datetimeFigureOut">
               <a:rPr lang="en-SE" smtClean="0"/>
-              <a:t>2023-09-30</a:t>
+              <a:t>10/04/2023</a:t>
             </a:fld>
             <a:endParaRPr lang="en-SE"/>
           </a:p>
@@ -464,7 +464,7 @@
     </p:spTree>
     <p:extLst>
       <p:ext uri="{BB962C8B-B14F-4D97-AF65-F5344CB8AC3E}">
-        <p14:creationId xmlns:p14="http://schemas.microsoft.com/office/powerpoint/2010/main" val="3946951137"/>
+        <p14:creationId xmlns:p14="http://schemas.microsoft.com/office/powerpoint/2010/main" val="2455675841"/>
       </p:ext>
     </p:extLst>
   </p:cSld>
@@ -476,7 +476,7 @@
 
 <file path=ppt/slideLayouts/slideLayout11.xml><?xml version="1.0" encoding="utf-8"?>
 <p:sldLayout xmlns:a="http://schemas.openxmlformats.org/drawingml/2006/main" xmlns:r="http://schemas.openxmlformats.org/officeDocument/2006/relationships" xmlns:p="http://schemas.openxmlformats.org/presentationml/2006/main" type="vertTitleAndTx" preserve="1">
-  <p:cSld name="Vertical Title and Text">
+  <p:cSld name="竖排标题与文本">
     <p:spTree>
       <p:nvGrpSpPr>
         <p:cNvPr id="1" name=""/>
@@ -503,8 +503,8 @@
         </p:nvSpPr>
         <p:spPr>
           <a:xfrm>
-            <a:off x="1526857" y="92042"/>
-            <a:ext cx="460058" cy="1465068"/>
+            <a:off x="12881724" y="574987"/>
+            <a:ext cx="3881393" cy="9152300"/>
           </a:xfrm>
         </p:spPr>
         <p:txBody>
@@ -512,8 +512,8 @@
           <a:lstStyle/>
           <a:p>
             <a:r>
-              <a:rPr lang="en-US"/>
-              <a:t>Click to edit Master title style</a:t>
+              <a:rPr lang="zh-CN" altLang="en-US"/>
+              <a:t>单击此处编辑母版标题样式</a:t>
             </a:r>
             <a:endParaRPr lang="en-US" dirty="0"/>
           </a:p>
@@ -531,8 +531,8 @@
         </p:nvSpPr>
         <p:spPr>
           <a:xfrm>
-            <a:off x="146685" y="92042"/>
-            <a:ext cx="1353503" cy="1465068"/>
+            <a:off x="1237545" y="574987"/>
+            <a:ext cx="11419171" cy="9152300"/>
           </a:xfrm>
         </p:spPr>
         <p:txBody>
@@ -541,36 +541,36 @@
           <a:p>
             <a:pPr lvl="0"/>
             <a:r>
-              <a:rPr lang="en-US"/>
-              <a:t>Click to edit Master text styles</a:t>
+              <a:rPr lang="zh-CN" altLang="en-US"/>
+              <a:t>单击此处编辑母版文本样式</a:t>
             </a:r>
           </a:p>
           <a:p>
             <a:pPr lvl="1"/>
             <a:r>
-              <a:rPr lang="en-US"/>
-              <a:t>Second level</a:t>
+              <a:rPr lang="zh-CN" altLang="en-US"/>
+              <a:t>二级</a:t>
             </a:r>
           </a:p>
           <a:p>
             <a:pPr lvl="2"/>
             <a:r>
-              <a:rPr lang="en-US"/>
-              <a:t>Third level</a:t>
+              <a:rPr lang="zh-CN" altLang="en-US"/>
+              <a:t>三级</a:t>
             </a:r>
           </a:p>
           <a:p>
             <a:pPr lvl="3"/>
             <a:r>
-              <a:rPr lang="en-US"/>
-              <a:t>Fourth level</a:t>
+              <a:rPr lang="zh-CN" altLang="en-US"/>
+              <a:t>四级</a:t>
             </a:r>
           </a:p>
           <a:p>
             <a:pPr lvl="4"/>
             <a:r>
-              <a:rPr lang="en-US"/>
-              <a:t>Fifth level</a:t>
+              <a:rPr lang="zh-CN" altLang="en-US"/>
+              <a:t>五级</a:t>
             </a:r>
             <a:endParaRPr lang="en-US" dirty="0"/>
           </a:p>
@@ -593,7 +593,7 @@
           <a:p>
             <a:fld id="{CA1BB51F-BFC6-4DD3-8C2A-5B21FD6F69C3}" type="datetimeFigureOut">
               <a:rPr lang="en-SE" smtClean="0"/>
-              <a:t>2023-09-30</a:t>
+              <a:t>10/04/2023</a:t>
             </a:fld>
             <a:endParaRPr lang="en-SE"/>
           </a:p>
@@ -644,7 +644,7 @@
     </p:spTree>
     <p:extLst>
       <p:ext uri="{BB962C8B-B14F-4D97-AF65-F5344CB8AC3E}">
-        <p14:creationId xmlns:p14="http://schemas.microsoft.com/office/powerpoint/2010/main" val="4143859637"/>
+        <p14:creationId xmlns:p14="http://schemas.microsoft.com/office/powerpoint/2010/main" val="3710561023"/>
       </p:ext>
     </p:extLst>
   </p:cSld>
@@ -656,7 +656,7 @@
 
 <file path=ppt/slideLayouts/slideLayout2.xml><?xml version="1.0" encoding="utf-8"?>
 <p:sldLayout xmlns:a="http://schemas.openxmlformats.org/drawingml/2006/main" xmlns:r="http://schemas.openxmlformats.org/officeDocument/2006/relationships" xmlns:p="http://schemas.openxmlformats.org/presentationml/2006/main" type="obj" preserve="1">
-  <p:cSld name="Title and Content">
+  <p:cSld name="标题和内容">
     <p:spTree>
       <p:nvGrpSpPr>
         <p:cNvPr id="1" name=""/>
@@ -687,8 +687,8 @@
           <a:lstStyle/>
           <a:p>
             <a:r>
-              <a:rPr lang="en-US"/>
-              <a:t>Click to edit Master title style</a:t>
+              <a:rPr lang="zh-CN" altLang="en-US"/>
+              <a:t>单击此处编辑母版标题样式</a:t>
             </a:r>
             <a:endParaRPr lang="en-US" dirty="0"/>
           </a:p>
@@ -711,36 +711,36 @@
           <a:p>
             <a:pPr lvl="0"/>
             <a:r>
-              <a:rPr lang="en-US"/>
-              <a:t>Click to edit Master text styles</a:t>
+              <a:rPr lang="zh-CN" altLang="en-US"/>
+              <a:t>单击此处编辑母版文本样式</a:t>
             </a:r>
           </a:p>
           <a:p>
             <a:pPr lvl="1"/>
             <a:r>
-              <a:rPr lang="en-US"/>
-              <a:t>Second level</a:t>
+              <a:rPr lang="zh-CN" altLang="en-US"/>
+              <a:t>二级</a:t>
             </a:r>
           </a:p>
           <a:p>
             <a:pPr lvl="2"/>
             <a:r>
-              <a:rPr lang="en-US"/>
-              <a:t>Third level</a:t>
+              <a:rPr lang="zh-CN" altLang="en-US"/>
+              <a:t>三级</a:t>
             </a:r>
           </a:p>
           <a:p>
             <a:pPr lvl="3"/>
             <a:r>
-              <a:rPr lang="en-US"/>
-              <a:t>Fourth level</a:t>
+              <a:rPr lang="zh-CN" altLang="en-US"/>
+              <a:t>四级</a:t>
             </a:r>
           </a:p>
           <a:p>
             <a:pPr lvl="4"/>
             <a:r>
-              <a:rPr lang="en-US"/>
-              <a:t>Fifth level</a:t>
+              <a:rPr lang="zh-CN" altLang="en-US"/>
+              <a:t>五级</a:t>
             </a:r>
             <a:endParaRPr lang="en-US" dirty="0"/>
           </a:p>
@@ -763,7 +763,7 @@
           <a:p>
             <a:fld id="{CA1BB51F-BFC6-4DD3-8C2A-5B21FD6F69C3}" type="datetimeFigureOut">
               <a:rPr lang="en-SE" smtClean="0"/>
-              <a:t>2023-09-30</a:t>
+              <a:t>10/04/2023</a:t>
             </a:fld>
             <a:endParaRPr lang="en-SE"/>
           </a:p>
@@ -814,7 +814,7 @@
     </p:spTree>
     <p:extLst>
       <p:ext uri="{BB962C8B-B14F-4D97-AF65-F5344CB8AC3E}">
-        <p14:creationId xmlns:p14="http://schemas.microsoft.com/office/powerpoint/2010/main" val="167111033"/>
+        <p14:creationId xmlns:p14="http://schemas.microsoft.com/office/powerpoint/2010/main" val="1770444985"/>
       </p:ext>
     </p:extLst>
   </p:cSld>
@@ -826,7 +826,7 @@
 
 <file path=ppt/slideLayouts/slideLayout3.xml><?xml version="1.0" encoding="utf-8"?>
 <p:sldLayout xmlns:a="http://schemas.openxmlformats.org/drawingml/2006/main" xmlns:r="http://schemas.openxmlformats.org/officeDocument/2006/relationships" xmlns:p="http://schemas.openxmlformats.org/presentationml/2006/main" type="secHead" preserve="1">
-  <p:cSld name="Section Header">
+  <p:cSld name="节标题">
     <p:spTree>
       <p:nvGrpSpPr>
         <p:cNvPr id="1" name=""/>
@@ -853,21 +853,21 @@
         </p:nvSpPr>
         <p:spPr>
           <a:xfrm>
-            <a:off x="145574" y="430997"/>
-            <a:ext cx="1840230" cy="719128"/>
+            <a:off x="1228170" y="2692442"/>
+            <a:ext cx="15525572" cy="4492401"/>
           </a:xfrm>
         </p:spPr>
         <p:txBody>
           <a:bodyPr anchor="b"/>
           <a:lstStyle>
             <a:lvl1pPr>
-              <a:defRPr sz="1400"/>
+              <a:defRPr sz="8858"/>
             </a:lvl1pPr>
           </a:lstStyle>
           <a:p>
             <a:r>
-              <a:rPr lang="en-US"/>
-              <a:t>Click to edit Master title style</a:t>
+              <a:rPr lang="zh-CN" altLang="en-US"/>
+              <a:t>单击此处编辑母版标题样式</a:t>
             </a:r>
             <a:endParaRPr lang="en-US" dirty="0"/>
           </a:p>
@@ -885,8 +885,8 @@
         </p:nvSpPr>
         <p:spPr>
           <a:xfrm>
-            <a:off x="145574" y="1156928"/>
-            <a:ext cx="1840230" cy="378172"/>
+            <a:off x="1228170" y="7227343"/>
+            <a:ext cx="15525572" cy="2362447"/>
           </a:xfrm>
         </p:spPr>
         <p:txBody>
@@ -894,15 +894,17 @@
           <a:lstStyle>
             <a:lvl1pPr marL="0" indent="0">
               <a:buNone/>
-              <a:defRPr sz="560">
+              <a:defRPr sz="3543">
                 <a:solidFill>
-                  <a:schemeClr val="tx1"/>
+                  <a:schemeClr val="tx1">
+                    <a:tint val="75000"/>
+                  </a:schemeClr>
                 </a:solidFill>
               </a:defRPr>
             </a:lvl1pPr>
-            <a:lvl2pPr marL="106665" indent="0">
-              <a:buNone/>
-              <a:defRPr sz="467">
+            <a:lvl2pPr marL="675010" indent="0">
+              <a:buNone/>
+              <a:defRPr sz="2953">
                 <a:solidFill>
                   <a:schemeClr val="tx1">
                     <a:tint val="75000"/>
@@ -910,9 +912,9 @@
                 </a:solidFill>
               </a:defRPr>
             </a:lvl2pPr>
-            <a:lvl3pPr marL="213330" indent="0">
-              <a:buNone/>
-              <a:defRPr sz="420">
+            <a:lvl3pPr marL="1350020" indent="0">
+              <a:buNone/>
+              <a:defRPr sz="2658">
                 <a:solidFill>
                   <a:schemeClr val="tx1">
                     <a:tint val="75000"/>
@@ -920,9 +922,9 @@
                 </a:solidFill>
               </a:defRPr>
             </a:lvl3pPr>
-            <a:lvl4pPr marL="319994" indent="0">
-              <a:buNone/>
-              <a:defRPr sz="373">
+            <a:lvl4pPr marL="2025030" indent="0">
+              <a:buNone/>
+              <a:defRPr sz="2362">
                 <a:solidFill>
                   <a:schemeClr val="tx1">
                     <a:tint val="75000"/>
@@ -930,9 +932,9 @@
                 </a:solidFill>
               </a:defRPr>
             </a:lvl4pPr>
-            <a:lvl5pPr marL="426659" indent="0">
-              <a:buNone/>
-              <a:defRPr sz="373">
+            <a:lvl5pPr marL="2700040" indent="0">
+              <a:buNone/>
+              <a:defRPr sz="2362">
                 <a:solidFill>
                   <a:schemeClr val="tx1">
                     <a:tint val="75000"/>
@@ -940,9 +942,9 @@
                 </a:solidFill>
               </a:defRPr>
             </a:lvl5pPr>
-            <a:lvl6pPr marL="533324" indent="0">
-              <a:buNone/>
-              <a:defRPr sz="373">
+            <a:lvl6pPr marL="3375050" indent="0">
+              <a:buNone/>
+              <a:defRPr sz="2362">
                 <a:solidFill>
                   <a:schemeClr val="tx1">
                     <a:tint val="75000"/>
@@ -950,9 +952,9 @@
                 </a:solidFill>
               </a:defRPr>
             </a:lvl6pPr>
-            <a:lvl7pPr marL="639989" indent="0">
-              <a:buNone/>
-              <a:defRPr sz="373">
+            <a:lvl7pPr marL="4050060" indent="0">
+              <a:buNone/>
+              <a:defRPr sz="2362">
                 <a:solidFill>
                   <a:schemeClr val="tx1">
                     <a:tint val="75000"/>
@@ -960,9 +962,9 @@
                 </a:solidFill>
               </a:defRPr>
             </a:lvl7pPr>
-            <a:lvl8pPr marL="746653" indent="0">
-              <a:buNone/>
-              <a:defRPr sz="373">
+            <a:lvl8pPr marL="4725071" indent="0">
+              <a:buNone/>
+              <a:defRPr sz="2362">
                 <a:solidFill>
                   <a:schemeClr val="tx1">
                     <a:tint val="75000"/>
@@ -970,9 +972,9 @@
                 </a:solidFill>
               </a:defRPr>
             </a:lvl8pPr>
-            <a:lvl9pPr marL="853318" indent="0">
-              <a:buNone/>
-              <a:defRPr sz="373">
+            <a:lvl9pPr marL="5400081" indent="0">
+              <a:buNone/>
+              <a:defRPr sz="2362">
                 <a:solidFill>
                   <a:schemeClr val="tx1">
                     <a:tint val="75000"/>
@@ -984,8 +986,8 @@
           <a:p>
             <a:pPr lvl="0"/>
             <a:r>
-              <a:rPr lang="en-US"/>
-              <a:t>Click to edit Master text styles</a:t>
+              <a:rPr lang="zh-CN" altLang="en-US"/>
+              <a:t>单击此处编辑母版文本样式</a:t>
             </a:r>
           </a:p>
         </p:txBody>
@@ -1007,7 +1009,7 @@
           <a:p>
             <a:fld id="{CA1BB51F-BFC6-4DD3-8C2A-5B21FD6F69C3}" type="datetimeFigureOut">
               <a:rPr lang="en-SE" smtClean="0"/>
-              <a:t>2023-09-30</a:t>
+              <a:t>10/04/2023</a:t>
             </a:fld>
             <a:endParaRPr lang="en-SE"/>
           </a:p>
@@ -1058,7 +1060,7 @@
     </p:spTree>
     <p:extLst>
       <p:ext uri="{BB962C8B-B14F-4D97-AF65-F5344CB8AC3E}">
-        <p14:creationId xmlns:p14="http://schemas.microsoft.com/office/powerpoint/2010/main" val="2958211045"/>
+        <p14:creationId xmlns:p14="http://schemas.microsoft.com/office/powerpoint/2010/main" val="234299590"/>
       </p:ext>
     </p:extLst>
   </p:cSld>
@@ -1070,7 +1072,7 @@
 
 <file path=ppt/slideLayouts/slideLayout4.xml><?xml version="1.0" encoding="utf-8"?>
 <p:sldLayout xmlns:a="http://schemas.openxmlformats.org/drawingml/2006/main" xmlns:r="http://schemas.openxmlformats.org/officeDocument/2006/relationships" xmlns:p="http://schemas.openxmlformats.org/presentationml/2006/main" type="twoObj" preserve="1">
-  <p:cSld name="Two Content">
+  <p:cSld name="两栏内容">
     <p:spTree>
       <p:nvGrpSpPr>
         <p:cNvPr id="1" name=""/>
@@ -1101,8 +1103,8 @@
           <a:lstStyle/>
           <a:p>
             <a:r>
-              <a:rPr lang="en-US"/>
-              <a:t>Click to edit Master title style</a:t>
+              <a:rPr lang="zh-CN" altLang="en-US"/>
+              <a:t>单击此处编辑母版标题样式</a:t>
             </a:r>
             <a:endParaRPr lang="en-US" dirty="0"/>
           </a:p>
@@ -1120,8 +1122,8 @@
         </p:nvSpPr>
         <p:spPr>
           <a:xfrm>
-            <a:off x="146685" y="460210"/>
-            <a:ext cx="906780" cy="1096900"/>
+            <a:off x="1237545" y="2874937"/>
+            <a:ext cx="7650282" cy="6852350"/>
           </a:xfrm>
         </p:spPr>
         <p:txBody>
@@ -1130,36 +1132,36 @@
           <a:p>
             <a:pPr lvl="0"/>
             <a:r>
-              <a:rPr lang="en-US"/>
-              <a:t>Click to edit Master text styles</a:t>
+              <a:rPr lang="zh-CN" altLang="en-US"/>
+              <a:t>单击此处编辑母版文本样式</a:t>
             </a:r>
           </a:p>
           <a:p>
             <a:pPr lvl="1"/>
             <a:r>
-              <a:rPr lang="en-US"/>
-              <a:t>Second level</a:t>
+              <a:rPr lang="zh-CN" altLang="en-US"/>
+              <a:t>二级</a:t>
             </a:r>
           </a:p>
           <a:p>
             <a:pPr lvl="2"/>
             <a:r>
-              <a:rPr lang="en-US"/>
-              <a:t>Third level</a:t>
+              <a:rPr lang="zh-CN" altLang="en-US"/>
+              <a:t>三级</a:t>
             </a:r>
           </a:p>
           <a:p>
             <a:pPr lvl="3"/>
             <a:r>
-              <a:rPr lang="en-US"/>
-              <a:t>Fourth level</a:t>
+              <a:rPr lang="zh-CN" altLang="en-US"/>
+              <a:t>四级</a:t>
             </a:r>
           </a:p>
           <a:p>
             <a:pPr lvl="4"/>
             <a:r>
-              <a:rPr lang="en-US"/>
-              <a:t>Fifth level</a:t>
+              <a:rPr lang="zh-CN" altLang="en-US"/>
+              <a:t>五级</a:t>
             </a:r>
             <a:endParaRPr lang="en-US" dirty="0"/>
           </a:p>
@@ -1177,8 +1179,8 @@
         </p:nvSpPr>
         <p:spPr>
           <a:xfrm>
-            <a:off x="1080135" y="460210"/>
-            <a:ext cx="906780" cy="1096900"/>
+            <a:off x="9112836" y="2874937"/>
+            <a:ext cx="7650282" cy="6852350"/>
           </a:xfrm>
         </p:spPr>
         <p:txBody>
@@ -1187,36 +1189,36 @@
           <a:p>
             <a:pPr lvl="0"/>
             <a:r>
-              <a:rPr lang="en-US"/>
-              <a:t>Click to edit Master text styles</a:t>
+              <a:rPr lang="zh-CN" altLang="en-US"/>
+              <a:t>单击此处编辑母版文本样式</a:t>
             </a:r>
           </a:p>
           <a:p>
             <a:pPr lvl="1"/>
             <a:r>
-              <a:rPr lang="en-US"/>
-              <a:t>Second level</a:t>
+              <a:rPr lang="zh-CN" altLang="en-US"/>
+              <a:t>二级</a:t>
             </a:r>
           </a:p>
           <a:p>
             <a:pPr lvl="2"/>
             <a:r>
-              <a:rPr lang="en-US"/>
-              <a:t>Third level</a:t>
+              <a:rPr lang="zh-CN" altLang="en-US"/>
+              <a:t>三级</a:t>
             </a:r>
           </a:p>
           <a:p>
             <a:pPr lvl="3"/>
             <a:r>
-              <a:rPr lang="en-US"/>
-              <a:t>Fourth level</a:t>
+              <a:rPr lang="zh-CN" altLang="en-US"/>
+              <a:t>四级</a:t>
             </a:r>
           </a:p>
           <a:p>
             <a:pPr lvl="4"/>
             <a:r>
-              <a:rPr lang="en-US"/>
-              <a:t>Fifth level</a:t>
+              <a:rPr lang="zh-CN" altLang="en-US"/>
+              <a:t>五级</a:t>
             </a:r>
             <a:endParaRPr lang="en-US" dirty="0"/>
           </a:p>
@@ -1239,7 +1241,7 @@
           <a:p>
             <a:fld id="{CA1BB51F-BFC6-4DD3-8C2A-5B21FD6F69C3}" type="datetimeFigureOut">
               <a:rPr lang="en-SE" smtClean="0"/>
-              <a:t>2023-09-30</a:t>
+              <a:t>10/04/2023</a:t>
             </a:fld>
             <a:endParaRPr lang="en-SE"/>
           </a:p>
@@ -1290,7 +1292,7 @@
     </p:spTree>
     <p:extLst>
       <p:ext uri="{BB962C8B-B14F-4D97-AF65-F5344CB8AC3E}">
-        <p14:creationId xmlns:p14="http://schemas.microsoft.com/office/powerpoint/2010/main" val="3797410516"/>
+        <p14:creationId xmlns:p14="http://schemas.microsoft.com/office/powerpoint/2010/main" val="4046673270"/>
       </p:ext>
     </p:extLst>
   </p:cSld>
@@ -1302,7 +1304,7 @@
 
 <file path=ppt/slideLayouts/slideLayout5.xml><?xml version="1.0" encoding="utf-8"?>
 <p:sldLayout xmlns:a="http://schemas.openxmlformats.org/drawingml/2006/main" xmlns:r="http://schemas.openxmlformats.org/officeDocument/2006/relationships" xmlns:p="http://schemas.openxmlformats.org/presentationml/2006/main" type="twoTxTwoObj" preserve="1">
-  <p:cSld name="Comparison">
+  <p:cSld name="比较">
     <p:spTree>
       <p:nvGrpSpPr>
         <p:cNvPr id="1" name=""/>
@@ -1329,8 +1331,8 @@
         </p:nvSpPr>
         <p:spPr>
           <a:xfrm>
-            <a:off x="146963" y="92043"/>
-            <a:ext cx="1840230" cy="334152"/>
+            <a:off x="1239890" y="574988"/>
+            <a:ext cx="15525572" cy="2087455"/>
           </a:xfrm>
         </p:spPr>
         <p:txBody>
@@ -1338,8 +1340,8 @@
           <a:lstStyle/>
           <a:p>
             <a:r>
-              <a:rPr lang="en-US"/>
-              <a:t>Click to edit Master title style</a:t>
+              <a:rPr lang="zh-CN" altLang="en-US"/>
+              <a:t>单击此处编辑母版标题样式</a:t>
             </a:r>
             <a:endParaRPr lang="en-US" dirty="0"/>
           </a:p>
@@ -1357,8 +1359,8 @@
         </p:nvSpPr>
         <p:spPr>
           <a:xfrm>
-            <a:off x="146963" y="423793"/>
-            <a:ext cx="902613" cy="207695"/>
+            <a:off x="1239891" y="2647443"/>
+            <a:ext cx="7615123" cy="1297471"/>
           </a:xfrm>
         </p:spPr>
         <p:txBody>
@@ -1366,46 +1368,46 @@
           <a:lstStyle>
             <a:lvl1pPr marL="0" indent="0">
               <a:buNone/>
-              <a:defRPr sz="560" b="1"/>
+              <a:defRPr sz="3543" b="1"/>
             </a:lvl1pPr>
-            <a:lvl2pPr marL="106665" indent="0">
-              <a:buNone/>
-              <a:defRPr sz="467" b="1"/>
+            <a:lvl2pPr marL="675010" indent="0">
+              <a:buNone/>
+              <a:defRPr sz="2953" b="1"/>
             </a:lvl2pPr>
-            <a:lvl3pPr marL="213330" indent="0">
-              <a:buNone/>
-              <a:defRPr sz="420" b="1"/>
+            <a:lvl3pPr marL="1350020" indent="0">
+              <a:buNone/>
+              <a:defRPr sz="2658" b="1"/>
             </a:lvl3pPr>
-            <a:lvl4pPr marL="319994" indent="0">
-              <a:buNone/>
-              <a:defRPr sz="373" b="1"/>
+            <a:lvl4pPr marL="2025030" indent="0">
+              <a:buNone/>
+              <a:defRPr sz="2362" b="1"/>
             </a:lvl4pPr>
-            <a:lvl5pPr marL="426659" indent="0">
-              <a:buNone/>
-              <a:defRPr sz="373" b="1"/>
+            <a:lvl5pPr marL="2700040" indent="0">
+              <a:buNone/>
+              <a:defRPr sz="2362" b="1"/>
             </a:lvl5pPr>
-            <a:lvl6pPr marL="533324" indent="0">
-              <a:buNone/>
-              <a:defRPr sz="373" b="1"/>
+            <a:lvl6pPr marL="3375050" indent="0">
+              <a:buNone/>
+              <a:defRPr sz="2362" b="1"/>
             </a:lvl6pPr>
-            <a:lvl7pPr marL="639989" indent="0">
-              <a:buNone/>
-              <a:defRPr sz="373" b="1"/>
+            <a:lvl7pPr marL="4050060" indent="0">
+              <a:buNone/>
+              <a:defRPr sz="2362" b="1"/>
             </a:lvl7pPr>
-            <a:lvl8pPr marL="746653" indent="0">
-              <a:buNone/>
-              <a:defRPr sz="373" b="1"/>
+            <a:lvl8pPr marL="4725071" indent="0">
+              <a:buNone/>
+              <a:defRPr sz="2362" b="1"/>
             </a:lvl8pPr>
-            <a:lvl9pPr marL="853318" indent="0">
-              <a:buNone/>
-              <a:defRPr sz="373" b="1"/>
+            <a:lvl9pPr marL="5400081" indent="0">
+              <a:buNone/>
+              <a:defRPr sz="2362" b="1"/>
             </a:lvl9pPr>
           </a:lstStyle>
           <a:p>
             <a:pPr lvl="0"/>
             <a:r>
-              <a:rPr lang="en-US"/>
-              <a:t>Click to edit Master text styles</a:t>
+              <a:rPr lang="zh-CN" altLang="en-US"/>
+              <a:t>单击此处编辑母版文本样式</a:t>
             </a:r>
           </a:p>
         </p:txBody>
@@ -1422,8 +1424,8 @@
         </p:nvSpPr>
         <p:spPr>
           <a:xfrm>
-            <a:off x="146963" y="631488"/>
-            <a:ext cx="902613" cy="928823"/>
+            <a:off x="1239891" y="3944914"/>
+            <a:ext cx="7615123" cy="5802373"/>
           </a:xfrm>
         </p:spPr>
         <p:txBody>
@@ -1432,36 +1434,36 @@
           <a:p>
             <a:pPr lvl="0"/>
             <a:r>
-              <a:rPr lang="en-US"/>
-              <a:t>Click to edit Master text styles</a:t>
+              <a:rPr lang="zh-CN" altLang="en-US"/>
+              <a:t>单击此处编辑母版文本样式</a:t>
             </a:r>
           </a:p>
           <a:p>
             <a:pPr lvl="1"/>
             <a:r>
-              <a:rPr lang="en-US"/>
-              <a:t>Second level</a:t>
+              <a:rPr lang="zh-CN" altLang="en-US"/>
+              <a:t>二级</a:t>
             </a:r>
           </a:p>
           <a:p>
             <a:pPr lvl="2"/>
             <a:r>
-              <a:rPr lang="en-US"/>
-              <a:t>Third level</a:t>
+              <a:rPr lang="zh-CN" altLang="en-US"/>
+              <a:t>三级</a:t>
             </a:r>
           </a:p>
           <a:p>
             <a:pPr lvl="3"/>
             <a:r>
-              <a:rPr lang="en-US"/>
-              <a:t>Fourth level</a:t>
+              <a:rPr lang="zh-CN" altLang="en-US"/>
+              <a:t>四级</a:t>
             </a:r>
           </a:p>
           <a:p>
             <a:pPr lvl="4"/>
             <a:r>
-              <a:rPr lang="en-US"/>
-              <a:t>Fifth level</a:t>
+              <a:rPr lang="zh-CN" altLang="en-US"/>
+              <a:t>五级</a:t>
             </a:r>
             <a:endParaRPr lang="en-US" dirty="0"/>
           </a:p>
@@ -1479,8 +1481,8 @@
         </p:nvSpPr>
         <p:spPr>
           <a:xfrm>
-            <a:off x="1080135" y="423793"/>
-            <a:ext cx="907058" cy="207695"/>
+            <a:off x="9112836" y="2647443"/>
+            <a:ext cx="7652626" cy="1297471"/>
           </a:xfrm>
         </p:spPr>
         <p:txBody>
@@ -1488,46 +1490,46 @@
           <a:lstStyle>
             <a:lvl1pPr marL="0" indent="0">
               <a:buNone/>
-              <a:defRPr sz="560" b="1"/>
+              <a:defRPr sz="3543" b="1"/>
             </a:lvl1pPr>
-            <a:lvl2pPr marL="106665" indent="0">
-              <a:buNone/>
-              <a:defRPr sz="467" b="1"/>
+            <a:lvl2pPr marL="675010" indent="0">
+              <a:buNone/>
+              <a:defRPr sz="2953" b="1"/>
             </a:lvl2pPr>
-            <a:lvl3pPr marL="213330" indent="0">
-              <a:buNone/>
-              <a:defRPr sz="420" b="1"/>
+            <a:lvl3pPr marL="1350020" indent="0">
+              <a:buNone/>
+              <a:defRPr sz="2658" b="1"/>
             </a:lvl3pPr>
-            <a:lvl4pPr marL="319994" indent="0">
-              <a:buNone/>
-              <a:defRPr sz="373" b="1"/>
+            <a:lvl4pPr marL="2025030" indent="0">
+              <a:buNone/>
+              <a:defRPr sz="2362" b="1"/>
             </a:lvl4pPr>
-            <a:lvl5pPr marL="426659" indent="0">
-              <a:buNone/>
-              <a:defRPr sz="373" b="1"/>
+            <a:lvl5pPr marL="2700040" indent="0">
+              <a:buNone/>
+              <a:defRPr sz="2362" b="1"/>
             </a:lvl5pPr>
-            <a:lvl6pPr marL="533324" indent="0">
-              <a:buNone/>
-              <a:defRPr sz="373" b="1"/>
+            <a:lvl6pPr marL="3375050" indent="0">
+              <a:buNone/>
+              <a:defRPr sz="2362" b="1"/>
             </a:lvl6pPr>
-            <a:lvl7pPr marL="639989" indent="0">
-              <a:buNone/>
-              <a:defRPr sz="373" b="1"/>
+            <a:lvl7pPr marL="4050060" indent="0">
+              <a:buNone/>
+              <a:defRPr sz="2362" b="1"/>
             </a:lvl7pPr>
-            <a:lvl8pPr marL="746653" indent="0">
-              <a:buNone/>
-              <a:defRPr sz="373" b="1"/>
+            <a:lvl8pPr marL="4725071" indent="0">
+              <a:buNone/>
+              <a:defRPr sz="2362" b="1"/>
             </a:lvl8pPr>
-            <a:lvl9pPr marL="853318" indent="0">
-              <a:buNone/>
-              <a:defRPr sz="373" b="1"/>
+            <a:lvl9pPr marL="5400081" indent="0">
+              <a:buNone/>
+              <a:defRPr sz="2362" b="1"/>
             </a:lvl9pPr>
           </a:lstStyle>
           <a:p>
             <a:pPr lvl="0"/>
             <a:r>
-              <a:rPr lang="en-US"/>
-              <a:t>Click to edit Master text styles</a:t>
+              <a:rPr lang="zh-CN" altLang="en-US"/>
+              <a:t>单击此处编辑母版文本样式</a:t>
             </a:r>
           </a:p>
         </p:txBody>
@@ -1544,8 +1546,8 @@
         </p:nvSpPr>
         <p:spPr>
           <a:xfrm>
-            <a:off x="1080135" y="631488"/>
-            <a:ext cx="907058" cy="928823"/>
+            <a:off x="9112836" y="3944914"/>
+            <a:ext cx="7652626" cy="5802373"/>
           </a:xfrm>
         </p:spPr>
         <p:txBody>
@@ -1554,36 +1556,36 @@
           <a:p>
             <a:pPr lvl="0"/>
             <a:r>
-              <a:rPr lang="en-US"/>
-              <a:t>Click to edit Master text styles</a:t>
+              <a:rPr lang="zh-CN" altLang="en-US"/>
+              <a:t>单击此处编辑母版文本样式</a:t>
             </a:r>
           </a:p>
           <a:p>
             <a:pPr lvl="1"/>
             <a:r>
-              <a:rPr lang="en-US"/>
-              <a:t>Second level</a:t>
+              <a:rPr lang="zh-CN" altLang="en-US"/>
+              <a:t>二级</a:t>
             </a:r>
           </a:p>
           <a:p>
             <a:pPr lvl="2"/>
             <a:r>
-              <a:rPr lang="en-US"/>
-              <a:t>Third level</a:t>
+              <a:rPr lang="zh-CN" altLang="en-US"/>
+              <a:t>三级</a:t>
             </a:r>
           </a:p>
           <a:p>
             <a:pPr lvl="3"/>
             <a:r>
-              <a:rPr lang="en-US"/>
-              <a:t>Fourth level</a:t>
+              <a:rPr lang="zh-CN" altLang="en-US"/>
+              <a:t>四级</a:t>
             </a:r>
           </a:p>
           <a:p>
             <a:pPr lvl="4"/>
             <a:r>
-              <a:rPr lang="en-US"/>
-              <a:t>Fifth level</a:t>
+              <a:rPr lang="zh-CN" altLang="en-US"/>
+              <a:t>五级</a:t>
             </a:r>
             <a:endParaRPr lang="en-US" dirty="0"/>
           </a:p>
@@ -1606,7 +1608,7 @@
           <a:p>
             <a:fld id="{CA1BB51F-BFC6-4DD3-8C2A-5B21FD6F69C3}" type="datetimeFigureOut">
               <a:rPr lang="en-SE" smtClean="0"/>
-              <a:t>2023-09-30</a:t>
+              <a:t>10/04/2023</a:t>
             </a:fld>
             <a:endParaRPr lang="en-SE"/>
           </a:p>
@@ -1657,7 +1659,7 @@
     </p:spTree>
     <p:extLst>
       <p:ext uri="{BB962C8B-B14F-4D97-AF65-F5344CB8AC3E}">
-        <p14:creationId xmlns:p14="http://schemas.microsoft.com/office/powerpoint/2010/main" val="2754252418"/>
+        <p14:creationId xmlns:p14="http://schemas.microsoft.com/office/powerpoint/2010/main" val="3739084117"/>
       </p:ext>
     </p:extLst>
   </p:cSld>
@@ -1669,7 +1671,7 @@
 
 <file path=ppt/slideLayouts/slideLayout6.xml><?xml version="1.0" encoding="utf-8"?>
 <p:sldLayout xmlns:a="http://schemas.openxmlformats.org/drawingml/2006/main" xmlns:r="http://schemas.openxmlformats.org/officeDocument/2006/relationships" xmlns:p="http://schemas.openxmlformats.org/presentationml/2006/main" type="titleOnly" preserve="1">
-  <p:cSld name="Title Only">
+  <p:cSld name="仅标题">
     <p:spTree>
       <p:nvGrpSpPr>
         <p:cNvPr id="1" name=""/>
@@ -1700,8 +1702,8 @@
           <a:lstStyle/>
           <a:p>
             <a:r>
-              <a:rPr lang="en-US"/>
-              <a:t>Click to edit Master title style</a:t>
+              <a:rPr lang="zh-CN" altLang="en-US"/>
+              <a:t>单击此处编辑母版标题样式</a:t>
             </a:r>
             <a:endParaRPr lang="en-US" dirty="0"/>
           </a:p>
@@ -1724,7 +1726,7 @@
           <a:p>
             <a:fld id="{CA1BB51F-BFC6-4DD3-8C2A-5B21FD6F69C3}" type="datetimeFigureOut">
               <a:rPr lang="en-SE" smtClean="0"/>
-              <a:t>2023-09-30</a:t>
+              <a:t>10/04/2023</a:t>
             </a:fld>
             <a:endParaRPr lang="en-SE"/>
           </a:p>
@@ -1775,7 +1777,7 @@
     </p:spTree>
     <p:extLst>
       <p:ext uri="{BB962C8B-B14F-4D97-AF65-F5344CB8AC3E}">
-        <p14:creationId xmlns:p14="http://schemas.microsoft.com/office/powerpoint/2010/main" val="3574134668"/>
+        <p14:creationId xmlns:p14="http://schemas.microsoft.com/office/powerpoint/2010/main" val="3210855568"/>
       </p:ext>
     </p:extLst>
   </p:cSld>
@@ -1787,7 +1789,7 @@
 
 <file path=ppt/slideLayouts/slideLayout7.xml><?xml version="1.0" encoding="utf-8"?>
 <p:sldLayout xmlns:a="http://schemas.openxmlformats.org/drawingml/2006/main" xmlns:r="http://schemas.openxmlformats.org/officeDocument/2006/relationships" xmlns:p="http://schemas.openxmlformats.org/presentationml/2006/main" type="blank" preserve="1">
-  <p:cSld name="Blank">
+  <p:cSld name="空白">
     <p:spTree>
       <p:nvGrpSpPr>
         <p:cNvPr id="1" name=""/>
@@ -1819,7 +1821,7 @@
           <a:p>
             <a:fld id="{CA1BB51F-BFC6-4DD3-8C2A-5B21FD6F69C3}" type="datetimeFigureOut">
               <a:rPr lang="en-SE" smtClean="0"/>
-              <a:t>2023-09-30</a:t>
+              <a:t>10/04/2023</a:t>
             </a:fld>
             <a:endParaRPr lang="en-SE"/>
           </a:p>
@@ -1870,7 +1872,7 @@
     </p:spTree>
     <p:extLst>
       <p:ext uri="{BB962C8B-B14F-4D97-AF65-F5344CB8AC3E}">
-        <p14:creationId xmlns:p14="http://schemas.microsoft.com/office/powerpoint/2010/main" val="817689837"/>
+        <p14:creationId xmlns:p14="http://schemas.microsoft.com/office/powerpoint/2010/main" val="3350527425"/>
       </p:ext>
     </p:extLst>
   </p:cSld>
@@ -1882,7 +1884,7 @@
 
 <file path=ppt/slideLayouts/slideLayout8.xml><?xml version="1.0" encoding="utf-8"?>
 <p:sldLayout xmlns:a="http://schemas.openxmlformats.org/drawingml/2006/main" xmlns:r="http://schemas.openxmlformats.org/officeDocument/2006/relationships" xmlns:p="http://schemas.openxmlformats.org/presentationml/2006/main" type="objTx" preserve="1">
-  <p:cSld name="Content with Caption">
+  <p:cSld name="内容与标题">
     <p:spTree>
       <p:nvGrpSpPr>
         <p:cNvPr id="1" name=""/>
@@ -1909,21 +1911,21 @@
         </p:nvSpPr>
         <p:spPr>
           <a:xfrm>
-            <a:off x="146963" y="115252"/>
-            <a:ext cx="688142" cy="403384"/>
+            <a:off x="1239891" y="719984"/>
+            <a:ext cx="5805682" cy="2519945"/>
           </a:xfrm>
         </p:spPr>
         <p:txBody>
           <a:bodyPr anchor="b"/>
           <a:lstStyle>
             <a:lvl1pPr>
-              <a:defRPr sz="747"/>
+              <a:defRPr sz="4724"/>
             </a:lvl1pPr>
           </a:lstStyle>
           <a:p>
             <a:r>
-              <a:rPr lang="en-US"/>
-              <a:t>Click to edit Master title style</a:t>
+              <a:rPr lang="zh-CN" altLang="en-US"/>
+              <a:t>单击此处编辑母版标题样式</a:t>
             </a:r>
             <a:endParaRPr lang="en-US" dirty="0"/>
           </a:p>
@@ -1941,74 +1943,74 @@
         </p:nvSpPr>
         <p:spPr>
           <a:xfrm>
-            <a:off x="907058" y="248914"/>
-            <a:ext cx="1080135" cy="1228560"/>
+            <a:off x="7652626" y="1554966"/>
+            <a:ext cx="9112836" cy="7674832"/>
           </a:xfrm>
         </p:spPr>
         <p:txBody>
           <a:bodyPr/>
           <a:lstStyle>
             <a:lvl1pPr>
-              <a:defRPr sz="747"/>
+              <a:defRPr sz="4724"/>
             </a:lvl1pPr>
             <a:lvl2pPr>
-              <a:defRPr sz="653"/>
+              <a:defRPr sz="4134"/>
             </a:lvl2pPr>
             <a:lvl3pPr>
-              <a:defRPr sz="560"/>
+              <a:defRPr sz="3543"/>
             </a:lvl3pPr>
             <a:lvl4pPr>
-              <a:defRPr sz="467"/>
+              <a:defRPr sz="2953"/>
             </a:lvl4pPr>
             <a:lvl5pPr>
-              <a:defRPr sz="467"/>
+              <a:defRPr sz="2953"/>
             </a:lvl5pPr>
             <a:lvl6pPr>
-              <a:defRPr sz="467"/>
+              <a:defRPr sz="2953"/>
             </a:lvl6pPr>
             <a:lvl7pPr>
-              <a:defRPr sz="467"/>
+              <a:defRPr sz="2953"/>
             </a:lvl7pPr>
             <a:lvl8pPr>
-              <a:defRPr sz="467"/>
+              <a:defRPr sz="2953"/>
             </a:lvl8pPr>
             <a:lvl9pPr>
-              <a:defRPr sz="467"/>
+              <a:defRPr sz="2953"/>
             </a:lvl9pPr>
           </a:lstStyle>
           <a:p>
             <a:pPr lvl="0"/>
             <a:r>
-              <a:rPr lang="en-US"/>
-              <a:t>Click to edit Master text styles</a:t>
+              <a:rPr lang="zh-CN" altLang="en-US"/>
+              <a:t>单击此处编辑母版文本样式</a:t>
             </a:r>
           </a:p>
           <a:p>
             <a:pPr lvl="1"/>
             <a:r>
-              <a:rPr lang="en-US"/>
-              <a:t>Second level</a:t>
+              <a:rPr lang="zh-CN" altLang="en-US"/>
+              <a:t>二级</a:t>
             </a:r>
           </a:p>
           <a:p>
             <a:pPr lvl="2"/>
             <a:r>
-              <a:rPr lang="en-US"/>
-              <a:t>Third level</a:t>
+              <a:rPr lang="zh-CN" altLang="en-US"/>
+              <a:t>三级</a:t>
             </a:r>
           </a:p>
           <a:p>
             <a:pPr lvl="3"/>
             <a:r>
-              <a:rPr lang="en-US"/>
-              <a:t>Fourth level</a:t>
+              <a:rPr lang="zh-CN" altLang="en-US"/>
+              <a:t>四级</a:t>
             </a:r>
           </a:p>
           <a:p>
             <a:pPr lvl="4"/>
             <a:r>
-              <a:rPr lang="en-US"/>
-              <a:t>Fifth level</a:t>
+              <a:rPr lang="zh-CN" altLang="en-US"/>
+              <a:t>五级</a:t>
             </a:r>
             <a:endParaRPr lang="en-US" dirty="0"/>
           </a:p>
@@ -2026,8 +2028,8 @@
         </p:nvSpPr>
         <p:spPr>
           <a:xfrm>
-            <a:off x="146963" y="518636"/>
-            <a:ext cx="688142" cy="960838"/>
+            <a:off x="1239891" y="3239929"/>
+            <a:ext cx="5805682" cy="6002369"/>
           </a:xfrm>
         </p:spPr>
         <p:txBody>
@@ -2035,46 +2037,46 @@
           <a:lstStyle>
             <a:lvl1pPr marL="0" indent="0">
               <a:buNone/>
-              <a:defRPr sz="373"/>
+              <a:defRPr sz="2362"/>
             </a:lvl1pPr>
-            <a:lvl2pPr marL="106665" indent="0">
-              <a:buNone/>
-              <a:defRPr sz="327"/>
+            <a:lvl2pPr marL="675010" indent="0">
+              <a:buNone/>
+              <a:defRPr sz="2067"/>
             </a:lvl2pPr>
-            <a:lvl3pPr marL="213330" indent="0">
-              <a:buNone/>
-              <a:defRPr sz="280"/>
+            <a:lvl3pPr marL="1350020" indent="0">
+              <a:buNone/>
+              <a:defRPr sz="1772"/>
             </a:lvl3pPr>
-            <a:lvl4pPr marL="319994" indent="0">
-              <a:buNone/>
-              <a:defRPr sz="233"/>
+            <a:lvl4pPr marL="2025030" indent="0">
+              <a:buNone/>
+              <a:defRPr sz="1476"/>
             </a:lvl4pPr>
-            <a:lvl5pPr marL="426659" indent="0">
-              <a:buNone/>
-              <a:defRPr sz="233"/>
+            <a:lvl5pPr marL="2700040" indent="0">
+              <a:buNone/>
+              <a:defRPr sz="1476"/>
             </a:lvl5pPr>
-            <a:lvl6pPr marL="533324" indent="0">
-              <a:buNone/>
-              <a:defRPr sz="233"/>
+            <a:lvl6pPr marL="3375050" indent="0">
+              <a:buNone/>
+              <a:defRPr sz="1476"/>
             </a:lvl6pPr>
-            <a:lvl7pPr marL="639989" indent="0">
-              <a:buNone/>
-              <a:defRPr sz="233"/>
+            <a:lvl7pPr marL="4050060" indent="0">
+              <a:buNone/>
+              <a:defRPr sz="1476"/>
             </a:lvl7pPr>
-            <a:lvl8pPr marL="746653" indent="0">
-              <a:buNone/>
-              <a:defRPr sz="233"/>
+            <a:lvl8pPr marL="4725071" indent="0">
+              <a:buNone/>
+              <a:defRPr sz="1476"/>
             </a:lvl8pPr>
-            <a:lvl9pPr marL="853318" indent="0">
-              <a:buNone/>
-              <a:defRPr sz="233"/>
+            <a:lvl9pPr marL="5400081" indent="0">
+              <a:buNone/>
+              <a:defRPr sz="1476"/>
             </a:lvl9pPr>
           </a:lstStyle>
           <a:p>
             <a:pPr lvl="0"/>
             <a:r>
-              <a:rPr lang="en-US"/>
-              <a:t>Click to edit Master text styles</a:t>
+              <a:rPr lang="zh-CN" altLang="en-US"/>
+              <a:t>单击此处编辑母版文本样式</a:t>
             </a:r>
           </a:p>
         </p:txBody>
@@ -2096,7 +2098,7 @@
           <a:p>
             <a:fld id="{CA1BB51F-BFC6-4DD3-8C2A-5B21FD6F69C3}" type="datetimeFigureOut">
               <a:rPr lang="en-SE" smtClean="0"/>
-              <a:t>2023-09-30</a:t>
+              <a:t>10/04/2023</a:t>
             </a:fld>
             <a:endParaRPr lang="en-SE"/>
           </a:p>
@@ -2147,7 +2149,7 @@
     </p:spTree>
     <p:extLst>
       <p:ext uri="{BB962C8B-B14F-4D97-AF65-F5344CB8AC3E}">
-        <p14:creationId xmlns:p14="http://schemas.microsoft.com/office/powerpoint/2010/main" val="1326331296"/>
+        <p14:creationId xmlns:p14="http://schemas.microsoft.com/office/powerpoint/2010/main" val="4114463716"/>
       </p:ext>
     </p:extLst>
   </p:cSld>
@@ -2159,7 +2161,7 @@
 
 <file path=ppt/slideLayouts/slideLayout9.xml><?xml version="1.0" encoding="utf-8"?>
 <p:sldLayout xmlns:a="http://schemas.openxmlformats.org/drawingml/2006/main" xmlns:r="http://schemas.openxmlformats.org/officeDocument/2006/relationships" xmlns:p="http://schemas.openxmlformats.org/presentationml/2006/main" type="picTx" preserve="1">
-  <p:cSld name="Picture with Caption">
+  <p:cSld name="图片与标题">
     <p:spTree>
       <p:nvGrpSpPr>
         <p:cNvPr id="1" name=""/>
@@ -2186,21 +2188,21 @@
         </p:nvSpPr>
         <p:spPr>
           <a:xfrm>
-            <a:off x="146963" y="115252"/>
-            <a:ext cx="688142" cy="403384"/>
+            <a:off x="1239891" y="719984"/>
+            <a:ext cx="5805682" cy="2519945"/>
           </a:xfrm>
         </p:spPr>
         <p:txBody>
           <a:bodyPr anchor="b"/>
           <a:lstStyle>
             <a:lvl1pPr>
-              <a:defRPr sz="747"/>
+              <a:defRPr sz="4724"/>
             </a:lvl1pPr>
           </a:lstStyle>
           <a:p>
             <a:r>
-              <a:rPr lang="en-US"/>
-              <a:t>Click to edit Master title style</a:t>
+              <a:rPr lang="zh-CN" altLang="en-US"/>
+              <a:t>单击此处编辑母版标题样式</a:t>
             </a:r>
             <a:endParaRPr lang="en-US" dirty="0"/>
           </a:p>
@@ -2218,8 +2220,8 @@
         </p:nvSpPr>
         <p:spPr>
           <a:xfrm>
-            <a:off x="907058" y="248914"/>
-            <a:ext cx="1080135" cy="1228560"/>
+            <a:off x="7652626" y="1554966"/>
+            <a:ext cx="9112836" cy="7674832"/>
           </a:xfrm>
         </p:spPr>
         <p:txBody>
@@ -2227,45 +2229,45 @@
           <a:lstStyle>
             <a:lvl1pPr marL="0" indent="0">
               <a:buNone/>
-              <a:defRPr sz="747"/>
+              <a:defRPr sz="4724"/>
             </a:lvl1pPr>
-            <a:lvl2pPr marL="106665" indent="0">
-              <a:buNone/>
-              <a:defRPr sz="653"/>
+            <a:lvl2pPr marL="675010" indent="0">
+              <a:buNone/>
+              <a:defRPr sz="4134"/>
             </a:lvl2pPr>
-            <a:lvl3pPr marL="213330" indent="0">
-              <a:buNone/>
-              <a:defRPr sz="560"/>
+            <a:lvl3pPr marL="1350020" indent="0">
+              <a:buNone/>
+              <a:defRPr sz="3543"/>
             </a:lvl3pPr>
-            <a:lvl4pPr marL="319994" indent="0">
-              <a:buNone/>
-              <a:defRPr sz="467"/>
+            <a:lvl4pPr marL="2025030" indent="0">
+              <a:buNone/>
+              <a:defRPr sz="2953"/>
             </a:lvl4pPr>
-            <a:lvl5pPr marL="426659" indent="0">
-              <a:buNone/>
-              <a:defRPr sz="467"/>
+            <a:lvl5pPr marL="2700040" indent="0">
+              <a:buNone/>
+              <a:defRPr sz="2953"/>
             </a:lvl5pPr>
-            <a:lvl6pPr marL="533324" indent="0">
-              <a:buNone/>
-              <a:defRPr sz="467"/>
+            <a:lvl6pPr marL="3375050" indent="0">
+              <a:buNone/>
+              <a:defRPr sz="2953"/>
             </a:lvl6pPr>
-            <a:lvl7pPr marL="639989" indent="0">
-              <a:buNone/>
-              <a:defRPr sz="467"/>
+            <a:lvl7pPr marL="4050060" indent="0">
+              <a:buNone/>
+              <a:defRPr sz="2953"/>
             </a:lvl7pPr>
-            <a:lvl8pPr marL="746653" indent="0">
-              <a:buNone/>
-              <a:defRPr sz="467"/>
+            <a:lvl8pPr marL="4725071" indent="0">
+              <a:buNone/>
+              <a:defRPr sz="2953"/>
             </a:lvl8pPr>
-            <a:lvl9pPr marL="853318" indent="0">
-              <a:buNone/>
-              <a:defRPr sz="467"/>
+            <a:lvl9pPr marL="5400081" indent="0">
+              <a:buNone/>
+              <a:defRPr sz="2953"/>
             </a:lvl9pPr>
           </a:lstStyle>
           <a:p>
             <a:r>
-              <a:rPr lang="en-US"/>
-              <a:t>Click icon to add picture</a:t>
+              <a:rPr lang="zh-CN" altLang="en-US"/>
+              <a:t>单击图标添加图片</a:t>
             </a:r>
             <a:endParaRPr lang="en-US" dirty="0"/>
           </a:p>
@@ -2283,8 +2285,8 @@
         </p:nvSpPr>
         <p:spPr>
           <a:xfrm>
-            <a:off x="146963" y="518636"/>
-            <a:ext cx="688142" cy="960838"/>
+            <a:off x="1239891" y="3239929"/>
+            <a:ext cx="5805682" cy="6002369"/>
           </a:xfrm>
         </p:spPr>
         <p:txBody>
@@ -2292,46 +2294,46 @@
           <a:lstStyle>
             <a:lvl1pPr marL="0" indent="0">
               <a:buNone/>
-              <a:defRPr sz="373"/>
+              <a:defRPr sz="2362"/>
             </a:lvl1pPr>
-            <a:lvl2pPr marL="106665" indent="0">
-              <a:buNone/>
-              <a:defRPr sz="327"/>
+            <a:lvl2pPr marL="675010" indent="0">
+              <a:buNone/>
+              <a:defRPr sz="2067"/>
             </a:lvl2pPr>
-            <a:lvl3pPr marL="213330" indent="0">
-              <a:buNone/>
-              <a:defRPr sz="280"/>
+            <a:lvl3pPr marL="1350020" indent="0">
+              <a:buNone/>
+              <a:defRPr sz="1772"/>
             </a:lvl3pPr>
-            <a:lvl4pPr marL="319994" indent="0">
-              <a:buNone/>
-              <a:defRPr sz="233"/>
+            <a:lvl4pPr marL="2025030" indent="0">
+              <a:buNone/>
+              <a:defRPr sz="1476"/>
             </a:lvl4pPr>
-            <a:lvl5pPr marL="426659" indent="0">
-              <a:buNone/>
-              <a:defRPr sz="233"/>
+            <a:lvl5pPr marL="2700040" indent="0">
+              <a:buNone/>
+              <a:defRPr sz="1476"/>
             </a:lvl5pPr>
-            <a:lvl6pPr marL="533324" indent="0">
-              <a:buNone/>
-              <a:defRPr sz="233"/>
+            <a:lvl6pPr marL="3375050" indent="0">
+              <a:buNone/>
+              <a:defRPr sz="1476"/>
             </a:lvl6pPr>
-            <a:lvl7pPr marL="639989" indent="0">
-              <a:buNone/>
-              <a:defRPr sz="233"/>
+            <a:lvl7pPr marL="4050060" indent="0">
+              <a:buNone/>
+              <a:defRPr sz="1476"/>
             </a:lvl7pPr>
-            <a:lvl8pPr marL="746653" indent="0">
-              <a:buNone/>
-              <a:defRPr sz="233"/>
+            <a:lvl8pPr marL="4725071" indent="0">
+              <a:buNone/>
+              <a:defRPr sz="1476"/>
             </a:lvl8pPr>
-            <a:lvl9pPr marL="853318" indent="0">
-              <a:buNone/>
-              <a:defRPr sz="233"/>
+            <a:lvl9pPr marL="5400081" indent="0">
+              <a:buNone/>
+              <a:defRPr sz="1476"/>
             </a:lvl9pPr>
           </a:lstStyle>
           <a:p>
             <a:pPr lvl="0"/>
             <a:r>
-              <a:rPr lang="en-US"/>
-              <a:t>Click to edit Master text styles</a:t>
+              <a:rPr lang="zh-CN" altLang="en-US"/>
+              <a:t>单击此处编辑母版文本样式</a:t>
             </a:r>
           </a:p>
         </p:txBody>
@@ -2353,7 +2355,7 @@
           <a:p>
             <a:fld id="{CA1BB51F-BFC6-4DD3-8C2A-5B21FD6F69C3}" type="datetimeFigureOut">
               <a:rPr lang="en-SE" smtClean="0"/>
-              <a:t>2023-09-30</a:t>
+              <a:t>10/04/2023</a:t>
             </a:fld>
             <a:endParaRPr lang="en-SE"/>
           </a:p>
@@ -2404,7 +2406,7 @@
     </p:spTree>
     <p:extLst>
       <p:ext uri="{BB962C8B-B14F-4D97-AF65-F5344CB8AC3E}">
-        <p14:creationId xmlns:p14="http://schemas.microsoft.com/office/powerpoint/2010/main" val="3190310568"/>
+        <p14:creationId xmlns:p14="http://schemas.microsoft.com/office/powerpoint/2010/main" val="28970552"/>
       </p:ext>
     </p:extLst>
   </p:cSld>
@@ -2448,8 +2450,8 @@
         </p:nvSpPr>
         <p:spPr>
           <a:xfrm>
-            <a:off x="146685" y="92043"/>
-            <a:ext cx="1840230" cy="334152"/>
+            <a:off x="1237546" y="574988"/>
+            <a:ext cx="15525572" cy="2087455"/>
           </a:xfrm>
           <a:prstGeom prst="rect">
             <a:avLst/>
@@ -2462,8 +2464,8 @@
           <a:lstStyle/>
           <a:p>
             <a:r>
-              <a:rPr lang="en-US"/>
-              <a:t>Click to edit Master title style</a:t>
+              <a:rPr lang="zh-CN" altLang="en-US"/>
+              <a:t>单击此处编辑母版标题样式</a:t>
             </a:r>
             <a:endParaRPr lang="en-US" dirty="0"/>
           </a:p>
@@ -2481,8 +2483,8 @@
         </p:nvSpPr>
         <p:spPr>
           <a:xfrm>
-            <a:off x="146685" y="460210"/>
-            <a:ext cx="1840230" cy="1096900"/>
+            <a:off x="1237546" y="2874937"/>
+            <a:ext cx="15525572" cy="6852350"/>
           </a:xfrm>
           <a:prstGeom prst="rect">
             <a:avLst/>
@@ -2496,36 +2498,36 @@
           <a:p>
             <a:pPr lvl="0"/>
             <a:r>
-              <a:rPr lang="en-US"/>
-              <a:t>Click to edit Master text styles</a:t>
+              <a:rPr lang="zh-CN" altLang="en-US"/>
+              <a:t>单击此处编辑母版文本样式</a:t>
             </a:r>
           </a:p>
           <a:p>
             <a:pPr lvl="1"/>
             <a:r>
-              <a:rPr lang="en-US"/>
-              <a:t>Second level</a:t>
+              <a:rPr lang="zh-CN" altLang="en-US"/>
+              <a:t>二级</a:t>
             </a:r>
           </a:p>
           <a:p>
             <a:pPr lvl="2"/>
             <a:r>
-              <a:rPr lang="en-US"/>
-              <a:t>Third level</a:t>
+              <a:rPr lang="zh-CN" altLang="en-US"/>
+              <a:t>三级</a:t>
             </a:r>
           </a:p>
           <a:p>
             <a:pPr lvl="3"/>
             <a:r>
-              <a:rPr lang="en-US"/>
-              <a:t>Fourth level</a:t>
+              <a:rPr lang="zh-CN" altLang="en-US"/>
+              <a:t>四级</a:t>
             </a:r>
           </a:p>
           <a:p>
             <a:pPr lvl="4"/>
             <a:r>
-              <a:rPr lang="en-US"/>
-              <a:t>Fifth level</a:t>
+              <a:rPr lang="zh-CN" altLang="en-US"/>
+              <a:t>五级</a:t>
             </a:r>
             <a:endParaRPr lang="en-US" dirty="0"/>
           </a:p>
@@ -2543,8 +2545,8 @@
         </p:nvSpPr>
         <p:spPr>
           <a:xfrm>
-            <a:off x="146685" y="1602331"/>
-            <a:ext cx="480060" cy="92042"/>
+            <a:off x="1237546" y="10009781"/>
+            <a:ext cx="4050149" cy="574987"/>
           </a:xfrm>
           <a:prstGeom prst="rect">
             <a:avLst/>
@@ -2554,7 +2556,7 @@
           <a:bodyPr vert="horz" lIns="91440" tIns="45720" rIns="91440" bIns="45720" rtlCol="0" anchor="ctr"/>
           <a:lstStyle>
             <a:lvl1pPr algn="l">
-              <a:defRPr sz="280">
+              <a:defRPr sz="1772">
                 <a:solidFill>
                   <a:schemeClr val="tx1">
                     <a:tint val="75000"/>
@@ -2566,7 +2568,7 @@
           <a:p>
             <a:fld id="{CA1BB51F-BFC6-4DD3-8C2A-5B21FD6F69C3}" type="datetimeFigureOut">
               <a:rPr lang="en-SE" smtClean="0"/>
-              <a:t>2023-09-30</a:t>
+              <a:t>10/04/2023</a:t>
             </a:fld>
             <a:endParaRPr lang="en-SE"/>
           </a:p>
@@ -2584,8 +2586,8 @@
         </p:nvSpPr>
         <p:spPr>
           <a:xfrm>
-            <a:off x="706755" y="1602331"/>
-            <a:ext cx="720090" cy="92042"/>
+            <a:off x="5962720" y="10009781"/>
+            <a:ext cx="6075224" cy="574987"/>
           </a:xfrm>
           <a:prstGeom prst="rect">
             <a:avLst/>
@@ -2595,7 +2597,7 @@
           <a:bodyPr vert="horz" lIns="91440" tIns="45720" rIns="91440" bIns="45720" rtlCol="0" anchor="ctr"/>
           <a:lstStyle>
             <a:lvl1pPr algn="ctr">
-              <a:defRPr sz="280">
+              <a:defRPr sz="1772">
                 <a:solidFill>
                   <a:schemeClr val="tx1">
                     <a:tint val="75000"/>
@@ -2621,8 +2623,8 @@
         </p:nvSpPr>
         <p:spPr>
           <a:xfrm>
-            <a:off x="1506855" y="1602331"/>
-            <a:ext cx="480060" cy="92042"/>
+            <a:off x="12712968" y="10009781"/>
+            <a:ext cx="4050149" cy="574987"/>
           </a:xfrm>
           <a:prstGeom prst="rect">
             <a:avLst/>
@@ -2632,7 +2634,7 @@
           <a:bodyPr vert="horz" lIns="91440" tIns="45720" rIns="91440" bIns="45720" rtlCol="0" anchor="ctr"/>
           <a:lstStyle>
             <a:lvl1pPr algn="r">
-              <a:defRPr sz="280">
+              <a:defRPr sz="1772">
                 <a:solidFill>
                   <a:schemeClr val="tx1">
                     <a:tint val="75000"/>
@@ -2653,27 +2655,27 @@
     </p:spTree>
     <p:extLst>
       <p:ext uri="{BB962C8B-B14F-4D97-AF65-F5344CB8AC3E}">
-        <p14:creationId xmlns:p14="http://schemas.microsoft.com/office/powerpoint/2010/main" val="4196870786"/>
+        <p14:creationId xmlns:p14="http://schemas.microsoft.com/office/powerpoint/2010/main" val="644986390"/>
       </p:ext>
     </p:extLst>
   </p:cSld>
   <p:clrMap bg1="lt1" tx1="dk1" bg2="lt2" tx2="dk2" accent1="accent1" accent2="accent2" accent3="accent3" accent4="accent4" accent5="accent5" accent6="accent6" hlink="hlink" folHlink="folHlink"/>
   <p:sldLayoutIdLst>
-    <p:sldLayoutId id="2147483685" r:id="rId1"/>
-    <p:sldLayoutId id="2147483686" r:id="rId2"/>
-    <p:sldLayoutId id="2147483687" r:id="rId3"/>
-    <p:sldLayoutId id="2147483688" r:id="rId4"/>
-    <p:sldLayoutId id="2147483689" r:id="rId5"/>
-    <p:sldLayoutId id="2147483690" r:id="rId6"/>
-    <p:sldLayoutId id="2147483691" r:id="rId7"/>
-    <p:sldLayoutId id="2147483692" r:id="rId8"/>
-    <p:sldLayoutId id="2147483693" r:id="rId9"/>
-    <p:sldLayoutId id="2147483694" r:id="rId10"/>
-    <p:sldLayoutId id="2147483695" r:id="rId11"/>
+    <p:sldLayoutId id="2147483709" r:id="rId1"/>
+    <p:sldLayoutId id="2147483710" r:id="rId2"/>
+    <p:sldLayoutId id="2147483711" r:id="rId3"/>
+    <p:sldLayoutId id="2147483712" r:id="rId4"/>
+    <p:sldLayoutId id="2147483713" r:id="rId5"/>
+    <p:sldLayoutId id="2147483714" r:id="rId6"/>
+    <p:sldLayoutId id="2147483715" r:id="rId7"/>
+    <p:sldLayoutId id="2147483716" r:id="rId8"/>
+    <p:sldLayoutId id="2147483717" r:id="rId9"/>
+    <p:sldLayoutId id="2147483718" r:id="rId10"/>
+    <p:sldLayoutId id="2147483719" r:id="rId11"/>
   </p:sldLayoutIdLst>
   <p:txStyles>
     <p:titleStyle>
-      <a:lvl1pPr algn="l" defTabSz="213330" rtl="0" eaLnBrk="1" latinLnBrk="0" hangingPunct="1">
+      <a:lvl1pPr algn="l" defTabSz="1350020" rtl="0" eaLnBrk="1" latinLnBrk="0" hangingPunct="1">
         <a:lnSpc>
           <a:spcPct val="90000"/>
         </a:lnSpc>
@@ -2681,7 +2683,7 @@
           <a:spcPct val="0"/>
         </a:spcBef>
         <a:buNone/>
-        <a:defRPr sz="1027" kern="1200">
+        <a:defRPr sz="6496" kern="1200">
           <a:solidFill>
             <a:schemeClr val="tx1"/>
           </a:solidFill>
@@ -2692,16 +2694,16 @@
       </a:lvl1pPr>
     </p:titleStyle>
     <p:bodyStyle>
-      <a:lvl1pPr marL="53332" indent="-53332" algn="l" defTabSz="213330" rtl="0" eaLnBrk="1" latinLnBrk="0" hangingPunct="1">
+      <a:lvl1pPr marL="337505" indent="-337505" algn="l" defTabSz="1350020" rtl="0" eaLnBrk="1" latinLnBrk="0" hangingPunct="1">
         <a:lnSpc>
           <a:spcPct val="90000"/>
         </a:lnSpc>
         <a:spcBef>
-          <a:spcPts val="233"/>
+          <a:spcPts val="1476"/>
         </a:spcBef>
         <a:buFont typeface="Arial" panose="020B0604020202020204" pitchFamily="34" charset="0"/>
         <a:buChar char="•"/>
-        <a:defRPr sz="653" kern="1200">
+        <a:defRPr sz="4134" kern="1200">
           <a:solidFill>
             <a:schemeClr val="tx1"/>
           </a:solidFill>
@@ -2710,16 +2712,16 @@
           <a:cs typeface="+mn-cs"/>
         </a:defRPr>
       </a:lvl1pPr>
-      <a:lvl2pPr marL="159997" indent="-53332" algn="l" defTabSz="213330" rtl="0" eaLnBrk="1" latinLnBrk="0" hangingPunct="1">
+      <a:lvl2pPr marL="1012515" indent="-337505" algn="l" defTabSz="1350020" rtl="0" eaLnBrk="1" latinLnBrk="0" hangingPunct="1">
         <a:lnSpc>
           <a:spcPct val="90000"/>
         </a:lnSpc>
         <a:spcBef>
-          <a:spcPts val="117"/>
+          <a:spcPts val="738"/>
         </a:spcBef>
         <a:buFont typeface="Arial" panose="020B0604020202020204" pitchFamily="34" charset="0"/>
         <a:buChar char="•"/>
-        <a:defRPr sz="560" kern="1200">
+        <a:defRPr sz="3543" kern="1200">
           <a:solidFill>
             <a:schemeClr val="tx1"/>
           </a:solidFill>
@@ -2728,16 +2730,16 @@
           <a:cs typeface="+mn-cs"/>
         </a:defRPr>
       </a:lvl2pPr>
-      <a:lvl3pPr marL="266662" indent="-53332" algn="l" defTabSz="213330" rtl="0" eaLnBrk="1" latinLnBrk="0" hangingPunct="1">
+      <a:lvl3pPr marL="1687525" indent="-337505" algn="l" defTabSz="1350020" rtl="0" eaLnBrk="1" latinLnBrk="0" hangingPunct="1">
         <a:lnSpc>
           <a:spcPct val="90000"/>
         </a:lnSpc>
         <a:spcBef>
-          <a:spcPts val="117"/>
+          <a:spcPts val="738"/>
         </a:spcBef>
         <a:buFont typeface="Arial" panose="020B0604020202020204" pitchFamily="34" charset="0"/>
         <a:buChar char="•"/>
-        <a:defRPr sz="467" kern="1200">
+        <a:defRPr sz="2953" kern="1200">
           <a:solidFill>
             <a:schemeClr val="tx1"/>
           </a:solidFill>
@@ -2746,16 +2748,16 @@
           <a:cs typeface="+mn-cs"/>
         </a:defRPr>
       </a:lvl3pPr>
-      <a:lvl4pPr marL="373327" indent="-53332" algn="l" defTabSz="213330" rtl="0" eaLnBrk="1" latinLnBrk="0" hangingPunct="1">
+      <a:lvl4pPr marL="2362535" indent="-337505" algn="l" defTabSz="1350020" rtl="0" eaLnBrk="1" latinLnBrk="0" hangingPunct="1">
         <a:lnSpc>
           <a:spcPct val="90000"/>
         </a:lnSpc>
         <a:spcBef>
-          <a:spcPts val="117"/>
+          <a:spcPts val="738"/>
         </a:spcBef>
         <a:buFont typeface="Arial" panose="020B0604020202020204" pitchFamily="34" charset="0"/>
         <a:buChar char="•"/>
-        <a:defRPr sz="420" kern="1200">
+        <a:defRPr sz="2658" kern="1200">
           <a:solidFill>
             <a:schemeClr val="tx1"/>
           </a:solidFill>
@@ -2764,16 +2766,16 @@
           <a:cs typeface="+mn-cs"/>
         </a:defRPr>
       </a:lvl4pPr>
-      <a:lvl5pPr marL="479991" indent="-53332" algn="l" defTabSz="213330" rtl="0" eaLnBrk="1" latinLnBrk="0" hangingPunct="1">
+      <a:lvl5pPr marL="3037545" indent="-337505" algn="l" defTabSz="1350020" rtl="0" eaLnBrk="1" latinLnBrk="0" hangingPunct="1">
         <a:lnSpc>
           <a:spcPct val="90000"/>
         </a:lnSpc>
         <a:spcBef>
-          <a:spcPts val="117"/>
+          <a:spcPts val="738"/>
         </a:spcBef>
         <a:buFont typeface="Arial" panose="020B0604020202020204" pitchFamily="34" charset="0"/>
         <a:buChar char="•"/>
-        <a:defRPr sz="420" kern="1200">
+        <a:defRPr sz="2658" kern="1200">
           <a:solidFill>
             <a:schemeClr val="tx1"/>
           </a:solidFill>
@@ -2782,16 +2784,16 @@
           <a:cs typeface="+mn-cs"/>
         </a:defRPr>
       </a:lvl5pPr>
-      <a:lvl6pPr marL="586656" indent="-53332" algn="l" defTabSz="213330" rtl="0" eaLnBrk="1" latinLnBrk="0" hangingPunct="1">
+      <a:lvl6pPr marL="3712555" indent="-337505" algn="l" defTabSz="1350020" rtl="0" eaLnBrk="1" latinLnBrk="0" hangingPunct="1">
         <a:lnSpc>
           <a:spcPct val="90000"/>
         </a:lnSpc>
         <a:spcBef>
-          <a:spcPts val="117"/>
+          <a:spcPts val="738"/>
         </a:spcBef>
         <a:buFont typeface="Arial" panose="020B0604020202020204" pitchFamily="34" charset="0"/>
         <a:buChar char="•"/>
-        <a:defRPr sz="420" kern="1200">
+        <a:defRPr sz="2658" kern="1200">
           <a:solidFill>
             <a:schemeClr val="tx1"/>
           </a:solidFill>
@@ -2800,16 +2802,16 @@
           <a:cs typeface="+mn-cs"/>
         </a:defRPr>
       </a:lvl6pPr>
-      <a:lvl7pPr marL="693321" indent="-53332" algn="l" defTabSz="213330" rtl="0" eaLnBrk="1" latinLnBrk="0" hangingPunct="1">
+      <a:lvl7pPr marL="4387566" indent="-337505" algn="l" defTabSz="1350020" rtl="0" eaLnBrk="1" latinLnBrk="0" hangingPunct="1">
         <a:lnSpc>
           <a:spcPct val="90000"/>
         </a:lnSpc>
         <a:spcBef>
-          <a:spcPts val="117"/>
+          <a:spcPts val="738"/>
         </a:spcBef>
         <a:buFont typeface="Arial" panose="020B0604020202020204" pitchFamily="34" charset="0"/>
         <a:buChar char="•"/>
-        <a:defRPr sz="420" kern="1200">
+        <a:defRPr sz="2658" kern="1200">
           <a:solidFill>
             <a:schemeClr val="tx1"/>
           </a:solidFill>
@@ -2818,16 +2820,16 @@
           <a:cs typeface="+mn-cs"/>
         </a:defRPr>
       </a:lvl7pPr>
-      <a:lvl8pPr marL="799986" indent="-53332" algn="l" defTabSz="213330" rtl="0" eaLnBrk="1" latinLnBrk="0" hangingPunct="1">
+      <a:lvl8pPr marL="5062576" indent="-337505" algn="l" defTabSz="1350020" rtl="0" eaLnBrk="1" latinLnBrk="0" hangingPunct="1">
         <a:lnSpc>
           <a:spcPct val="90000"/>
         </a:lnSpc>
         <a:spcBef>
-          <a:spcPts val="117"/>
+          <a:spcPts val="738"/>
         </a:spcBef>
         <a:buFont typeface="Arial" panose="020B0604020202020204" pitchFamily="34" charset="0"/>
         <a:buChar char="•"/>
-        <a:defRPr sz="420" kern="1200">
+        <a:defRPr sz="2658" kern="1200">
           <a:solidFill>
             <a:schemeClr val="tx1"/>
           </a:solidFill>
@@ -2836,16 +2838,16 @@
           <a:cs typeface="+mn-cs"/>
         </a:defRPr>
       </a:lvl8pPr>
-      <a:lvl9pPr marL="906650" indent="-53332" algn="l" defTabSz="213330" rtl="0" eaLnBrk="1" latinLnBrk="0" hangingPunct="1">
+      <a:lvl9pPr marL="5737586" indent="-337505" algn="l" defTabSz="1350020" rtl="0" eaLnBrk="1" latinLnBrk="0" hangingPunct="1">
         <a:lnSpc>
           <a:spcPct val="90000"/>
         </a:lnSpc>
         <a:spcBef>
-          <a:spcPts val="117"/>
+          <a:spcPts val="738"/>
         </a:spcBef>
         <a:buFont typeface="Arial" panose="020B0604020202020204" pitchFamily="34" charset="0"/>
         <a:buChar char="•"/>
-        <a:defRPr sz="420" kern="1200">
+        <a:defRPr sz="2658" kern="1200">
           <a:solidFill>
             <a:schemeClr val="tx1"/>
           </a:solidFill>
@@ -2859,8 +2861,8 @@
       <a:defPPr>
         <a:defRPr lang="en-US"/>
       </a:defPPr>
-      <a:lvl1pPr marL="0" algn="l" defTabSz="213330" rtl="0" eaLnBrk="1" latinLnBrk="0" hangingPunct="1">
-        <a:defRPr sz="420" kern="1200">
+      <a:lvl1pPr marL="0" algn="l" defTabSz="1350020" rtl="0" eaLnBrk="1" latinLnBrk="0" hangingPunct="1">
+        <a:defRPr sz="2658" kern="1200">
           <a:solidFill>
             <a:schemeClr val="tx1"/>
           </a:solidFill>
@@ -2869,8 +2871,8 @@
           <a:cs typeface="+mn-cs"/>
         </a:defRPr>
       </a:lvl1pPr>
-      <a:lvl2pPr marL="106665" algn="l" defTabSz="213330" rtl="0" eaLnBrk="1" latinLnBrk="0" hangingPunct="1">
-        <a:defRPr sz="420" kern="1200">
+      <a:lvl2pPr marL="675010" algn="l" defTabSz="1350020" rtl="0" eaLnBrk="1" latinLnBrk="0" hangingPunct="1">
+        <a:defRPr sz="2658" kern="1200">
           <a:solidFill>
             <a:schemeClr val="tx1"/>
           </a:solidFill>
@@ -2879,8 +2881,8 @@
           <a:cs typeface="+mn-cs"/>
         </a:defRPr>
       </a:lvl2pPr>
-      <a:lvl3pPr marL="213330" algn="l" defTabSz="213330" rtl="0" eaLnBrk="1" latinLnBrk="0" hangingPunct="1">
-        <a:defRPr sz="420" kern="1200">
+      <a:lvl3pPr marL="1350020" algn="l" defTabSz="1350020" rtl="0" eaLnBrk="1" latinLnBrk="0" hangingPunct="1">
+        <a:defRPr sz="2658" kern="1200">
           <a:solidFill>
             <a:schemeClr val="tx1"/>
           </a:solidFill>
@@ -2889,8 +2891,8 @@
           <a:cs typeface="+mn-cs"/>
         </a:defRPr>
       </a:lvl3pPr>
-      <a:lvl4pPr marL="319994" algn="l" defTabSz="213330" rtl="0" eaLnBrk="1" latinLnBrk="0" hangingPunct="1">
-        <a:defRPr sz="420" kern="1200">
+      <a:lvl4pPr marL="2025030" algn="l" defTabSz="1350020" rtl="0" eaLnBrk="1" latinLnBrk="0" hangingPunct="1">
+        <a:defRPr sz="2658" kern="1200">
           <a:solidFill>
             <a:schemeClr val="tx1"/>
           </a:solidFill>
@@ -2899,8 +2901,8 @@
           <a:cs typeface="+mn-cs"/>
         </a:defRPr>
       </a:lvl4pPr>
-      <a:lvl5pPr marL="426659" algn="l" defTabSz="213330" rtl="0" eaLnBrk="1" latinLnBrk="0" hangingPunct="1">
-        <a:defRPr sz="420" kern="1200">
+      <a:lvl5pPr marL="2700040" algn="l" defTabSz="1350020" rtl="0" eaLnBrk="1" latinLnBrk="0" hangingPunct="1">
+        <a:defRPr sz="2658" kern="1200">
           <a:solidFill>
             <a:schemeClr val="tx1"/>
           </a:solidFill>
@@ -2909,8 +2911,8 @@
           <a:cs typeface="+mn-cs"/>
         </a:defRPr>
       </a:lvl5pPr>
-      <a:lvl6pPr marL="533324" algn="l" defTabSz="213330" rtl="0" eaLnBrk="1" latinLnBrk="0" hangingPunct="1">
-        <a:defRPr sz="420" kern="1200">
+      <a:lvl6pPr marL="3375050" algn="l" defTabSz="1350020" rtl="0" eaLnBrk="1" latinLnBrk="0" hangingPunct="1">
+        <a:defRPr sz="2658" kern="1200">
           <a:solidFill>
             <a:schemeClr val="tx1"/>
           </a:solidFill>
@@ -2919,8 +2921,8 @@
           <a:cs typeface="+mn-cs"/>
         </a:defRPr>
       </a:lvl6pPr>
-      <a:lvl7pPr marL="639989" algn="l" defTabSz="213330" rtl="0" eaLnBrk="1" latinLnBrk="0" hangingPunct="1">
-        <a:defRPr sz="420" kern="1200">
+      <a:lvl7pPr marL="4050060" algn="l" defTabSz="1350020" rtl="0" eaLnBrk="1" latinLnBrk="0" hangingPunct="1">
+        <a:defRPr sz="2658" kern="1200">
           <a:solidFill>
             <a:schemeClr val="tx1"/>
           </a:solidFill>
@@ -2929,8 +2931,8 @@
           <a:cs typeface="+mn-cs"/>
         </a:defRPr>
       </a:lvl7pPr>
-      <a:lvl8pPr marL="746653" algn="l" defTabSz="213330" rtl="0" eaLnBrk="1" latinLnBrk="0" hangingPunct="1">
-        <a:defRPr sz="420" kern="1200">
+      <a:lvl8pPr marL="4725071" algn="l" defTabSz="1350020" rtl="0" eaLnBrk="1" latinLnBrk="0" hangingPunct="1">
+        <a:defRPr sz="2658" kern="1200">
           <a:solidFill>
             <a:schemeClr val="tx1"/>
           </a:solidFill>
@@ -2939,8 +2941,8 @@
           <a:cs typeface="+mn-cs"/>
         </a:defRPr>
       </a:lvl8pPr>
-      <a:lvl9pPr marL="853318" algn="l" defTabSz="213330" rtl="0" eaLnBrk="1" latinLnBrk="0" hangingPunct="1">
-        <a:defRPr sz="420" kern="1200">
+      <a:lvl9pPr marL="5400081" algn="l" defTabSz="1350020" rtl="0" eaLnBrk="1" latinLnBrk="0" hangingPunct="1">
+        <a:defRPr sz="2658" kern="1200">
           <a:solidFill>
             <a:schemeClr val="tx1"/>
           </a:solidFill>
@@ -2973,10 +2975,10 @@
       </p:grpSpPr>
       <p:pic>
         <p:nvPicPr>
-          <p:cNvPr id="7" name="Picture 6">
+          <p:cNvPr id="3" name="图片 2">
             <a:extLst>
               <a:ext uri="{FF2B5EF4-FFF2-40B4-BE49-F238E27FC236}">
-                <a16:creationId xmlns:a16="http://schemas.microsoft.com/office/drawing/2014/main" id="{78314BD1-DCA5-F49B-1A7D-DC7B21D0FA3B}"/>
+                <a16:creationId xmlns:a16="http://schemas.microsoft.com/office/drawing/2014/main" id="{1AF4A27E-93D3-1252-6326-6185796A5257}"/>
               </a:ext>
             </a:extLst>
           </p:cNvPr>
@@ -2987,13 +2989,13 @@
         </p:nvPicPr>
         <p:blipFill rotWithShape="1">
           <a:blip r:embed="rId2"/>
-          <a:srcRect l="27390" t="15913" r="28376" b="7358"/>
+          <a:srcRect l="-1" r="219"/>
           <a:stretch/>
         </p:blipFill>
         <p:spPr>
           <a:xfrm>
-            <a:off x="372028" y="22539"/>
-            <a:ext cx="1389544" cy="1683710"/>
+            <a:off x="0" y="-1"/>
+            <a:ext cx="17287875" cy="10799763"/>
           </a:xfrm>
           <a:prstGeom prst="rect">
             <a:avLst/>
@@ -3014,9 +3016,9 @@
 </file>
 
 <file path=ppt/theme/theme1.xml><?xml version="1.0" encoding="utf-8"?>
-<a:theme xmlns:a="http://schemas.openxmlformats.org/drawingml/2006/main" name="Office Theme">
+<a:theme xmlns:a="http://schemas.openxmlformats.org/drawingml/2006/main" name="Office 主题​​">
   <a:themeElements>
-    <a:clrScheme name="Office Theme">
+    <a:clrScheme name="Office 主题​​">
       <a:dk1>
         <a:sysClr val="windowText" lastClr="000000"/>
       </a:dk1>
@@ -3054,7 +3056,7 @@
         <a:srgbClr val="954F72"/>
       </a:folHlink>
     </a:clrScheme>
-    <a:fontScheme name="Office Theme">
+    <a:fontScheme name="Office 主题​​">
       <a:majorFont>
         <a:latin typeface="Calibri Light" panose="020F0302020204030204"/>
         <a:ea typeface=""/>
@@ -3126,7 +3128,7 @@
         <a:font script="Geor" typeface="Sylfaen"/>
       </a:minorFont>
     </a:fontScheme>
-    <a:fmtScheme name="Office Theme">
+    <a:fmtScheme name="Office 主题​​">
       <a:fillStyleLst>
         <a:solidFill>
           <a:schemeClr val="phClr"/>
